--- a/Презентация.pptx
+++ b/Презентация.pptx
@@ -6,14 +6,7 @@
   </p:sldMasterIdLst>
   <p:sldIdLst>
     <p:sldId id="257" r:id="rId2"/>
-    <p:sldId id="256" r:id="rId3"/>
-    <p:sldId id="258" r:id="rId4"/>
-    <p:sldId id="259" r:id="rId5"/>
-    <p:sldId id="263" r:id="rId6"/>
-    <p:sldId id="261" r:id="rId7"/>
-    <p:sldId id="262" r:id="rId8"/>
-    <p:sldId id="264" r:id="rId9"/>
-    <p:sldId id="265" r:id="rId10"/>
+    <p:sldId id="258" r:id="rId3"/>
   </p:sldIdLst>
   <p:sldSz cx="12192000" cy="6858000"/>
   <p:notesSz cx="6858000" cy="9144000"/>
@@ -112,6 +105,22 @@
       </a:defRPr>
     </a:lvl9pPr>
   </p:defaultTextStyle>
+  <p:extLst>
+    <p:ext uri="{EFAFB233-063F-42B5-8137-9DF3F51BA10A}">
+      <p15:sldGuideLst xmlns:p15="http://schemas.microsoft.com/office/powerpoint/2012/main">
+        <p15:guide id="1" orient="horz" pos="2160">
+          <p15:clr>
+            <a:srgbClr val="A4A3A4"/>
+          </p15:clr>
+        </p15:guide>
+        <p15:guide id="2" pos="3840">
+          <p15:clr>
+            <a:srgbClr val="A4A3A4"/>
+          </p15:clr>
+        </p15:guide>
+      </p15:sldGuideLst>
+    </p:ext>
+  </p:extLst>
 </p:presentation>
 </file>
 
@@ -246,7 +255,7 @@
           <a:p>
             <a:fld id="{0CBA3DA8-DB39-4C16-AA54-85D135BCAD74}" type="datetimeFigureOut">
               <a:rPr lang="ru-RU" smtClean="0"/>
-              <a:t>16.04.2021</a:t>
+              <a:t>16.05.2021</a:t>
             </a:fld>
             <a:endParaRPr lang="ru-RU"/>
           </a:p>
@@ -416,7 +425,7 @@
           <a:p>
             <a:fld id="{0CBA3DA8-DB39-4C16-AA54-85D135BCAD74}" type="datetimeFigureOut">
               <a:rPr lang="ru-RU" smtClean="0"/>
-              <a:t>16.04.2021</a:t>
+              <a:t>16.05.2021</a:t>
             </a:fld>
             <a:endParaRPr lang="ru-RU"/>
           </a:p>
@@ -596,7 +605,7 @@
           <a:p>
             <a:fld id="{0CBA3DA8-DB39-4C16-AA54-85D135BCAD74}" type="datetimeFigureOut">
               <a:rPr lang="ru-RU" smtClean="0"/>
-              <a:t>16.04.2021</a:t>
+              <a:t>16.05.2021</a:t>
             </a:fld>
             <a:endParaRPr lang="ru-RU"/>
           </a:p>
@@ -766,7 +775,7 @@
           <a:p>
             <a:fld id="{0CBA3DA8-DB39-4C16-AA54-85D135BCAD74}" type="datetimeFigureOut">
               <a:rPr lang="ru-RU" smtClean="0"/>
-              <a:t>16.04.2021</a:t>
+              <a:t>16.05.2021</a:t>
             </a:fld>
             <a:endParaRPr lang="ru-RU"/>
           </a:p>
@@ -1012,7 +1021,7 @@
           <a:p>
             <a:fld id="{0CBA3DA8-DB39-4C16-AA54-85D135BCAD74}" type="datetimeFigureOut">
               <a:rPr lang="ru-RU" smtClean="0"/>
-              <a:t>16.04.2021</a:t>
+              <a:t>16.05.2021</a:t>
             </a:fld>
             <a:endParaRPr lang="ru-RU"/>
           </a:p>
@@ -1244,7 +1253,7 @@
           <a:p>
             <a:fld id="{0CBA3DA8-DB39-4C16-AA54-85D135BCAD74}" type="datetimeFigureOut">
               <a:rPr lang="ru-RU" smtClean="0"/>
-              <a:t>16.04.2021</a:t>
+              <a:t>16.05.2021</a:t>
             </a:fld>
             <a:endParaRPr lang="ru-RU"/>
           </a:p>
@@ -1611,7 +1620,7 @@
           <a:p>
             <a:fld id="{0CBA3DA8-DB39-4C16-AA54-85D135BCAD74}" type="datetimeFigureOut">
               <a:rPr lang="ru-RU" smtClean="0"/>
-              <a:t>16.04.2021</a:t>
+              <a:t>16.05.2021</a:t>
             </a:fld>
             <a:endParaRPr lang="ru-RU"/>
           </a:p>
@@ -1729,7 +1738,7 @@
           <a:p>
             <a:fld id="{0CBA3DA8-DB39-4C16-AA54-85D135BCAD74}" type="datetimeFigureOut">
               <a:rPr lang="ru-RU" smtClean="0"/>
-              <a:t>16.04.2021</a:t>
+              <a:t>16.05.2021</a:t>
             </a:fld>
             <a:endParaRPr lang="ru-RU"/>
           </a:p>
@@ -1824,7 +1833,7 @@
           <a:p>
             <a:fld id="{0CBA3DA8-DB39-4C16-AA54-85D135BCAD74}" type="datetimeFigureOut">
               <a:rPr lang="ru-RU" smtClean="0"/>
-              <a:t>16.04.2021</a:t>
+              <a:t>16.05.2021</a:t>
             </a:fld>
             <a:endParaRPr lang="ru-RU"/>
           </a:p>
@@ -2101,7 +2110,7 @@
           <a:p>
             <a:fld id="{0CBA3DA8-DB39-4C16-AA54-85D135BCAD74}" type="datetimeFigureOut">
               <a:rPr lang="ru-RU" smtClean="0"/>
-              <a:t>16.04.2021</a:t>
+              <a:t>16.05.2021</a:t>
             </a:fld>
             <a:endParaRPr lang="ru-RU"/>
           </a:p>
@@ -2354,7 +2363,7 @@
           <a:p>
             <a:fld id="{0CBA3DA8-DB39-4C16-AA54-85D135BCAD74}" type="datetimeFigureOut">
               <a:rPr lang="ru-RU" smtClean="0"/>
-              <a:t>16.04.2021</a:t>
+              <a:t>16.05.2021</a:t>
             </a:fld>
             <a:endParaRPr lang="ru-RU"/>
           </a:p>
@@ -2567,7 +2576,7 @@
           <a:p>
             <a:fld id="{0CBA3DA8-DB39-4C16-AA54-85D135BCAD74}" type="datetimeFigureOut">
               <a:rPr lang="ru-RU" smtClean="0"/>
-              <a:t>16.04.2021</a:t>
+              <a:t>16.05.2021</a:t>
             </a:fld>
             <a:endParaRPr lang="ru-RU"/>
           </a:p>
@@ -2974,30 +2983,64 @@
       </p:grpSpPr>
       <p:sp>
         <p:nvSpPr>
-          <p:cNvPr id="4" name="Заголовок 3"/>
-          <p:cNvSpPr>
-            <a:spLocks noGrp="1"/>
-          </p:cNvSpPr>
-          <p:nvPr>
-            <p:ph type="title"/>
+          <p:cNvPr id="5" name="Заголовок 4"/>
+          <p:cNvSpPr>
+            <a:spLocks noGrp="1"/>
+          </p:cNvSpPr>
+          <p:nvPr>
+            <p:ph type="ctrTitle"/>
+          </p:nvPr>
+        </p:nvSpPr>
+        <p:spPr/>
+        <p:txBody>
+          <a:bodyPr/>
+          <a:lstStyle/>
+          <a:p>
+            <a:r>
+              <a:rPr lang="ru-RU" dirty="0" smtClean="0"/>
+              <a:t>Проект «Сайт-Книга Памяти МОУ СОШ №41»</a:t>
+            </a:r>
+            <a:endParaRPr lang="ru-RU" dirty="0"/>
+          </a:p>
+        </p:txBody>
+      </p:sp>
+      <p:sp>
+        <p:nvSpPr>
+          <p:cNvPr id="6" name="Подзаголовок 5"/>
+          <p:cNvSpPr>
+            <a:spLocks noGrp="1"/>
+          </p:cNvSpPr>
+          <p:nvPr>
+            <p:ph type="subTitle" idx="1"/>
           </p:nvPr>
         </p:nvSpPr>
         <p:spPr>
           <a:xfrm>
-            <a:off x="949417" y="2834642"/>
-            <a:ext cx="10515600" cy="904875"/>
+            <a:off x="1524000" y="3602038"/>
+            <a:ext cx="9144000" cy="1466351"/>
           </a:xfrm>
         </p:spPr>
         <p:txBody>
-          <a:bodyPr>
-            <a:normAutofit fontScale="90000"/>
-          </a:bodyPr>
-          <a:lstStyle/>
-          <a:p>
-            <a:pPr algn="ctr"/>
-            <a:r>
-              <a:rPr lang="de-DE" dirty="0" smtClean="0"/>
-              <a:t>14.04.2021</a:t>
+          <a:bodyPr/>
+          <a:lstStyle/>
+          <a:p>
+            <a:r>
+              <a:rPr lang="ru-RU" dirty="0" smtClean="0"/>
+              <a:t>Проект подготовил Еремичев Олег Денисович, ученик 10 «Б» класса МОУ СОШ №41</a:t>
+            </a:r>
+          </a:p>
+          <a:p>
+            <a:r>
+              <a:rPr lang="ru-RU" dirty="0" smtClean="0"/>
+              <a:t>Научный руководитель: </a:t>
+            </a:r>
+            <a:r>
+              <a:rPr lang="ru-RU" dirty="0"/>
+              <a:t>Осокина Ольга </a:t>
+            </a:r>
+            <a:r>
+              <a:rPr lang="ru-RU" dirty="0" err="1"/>
+              <a:t>Владимирована</a:t>
             </a:r>
             <a:endParaRPr lang="ru-RU" dirty="0"/>
           </a:p>
@@ -3033,506 +3076,48 @@
           <a:chExt cx="0" cy="0"/>
         </a:xfrm>
       </p:grpSpPr>
-      <p:pic>
-        <p:nvPicPr>
-          <p:cNvPr id="4" name="Рисунок 3"/>
-          <p:cNvPicPr>
-            <a:picLocks noChangeAspect="1"/>
-          </p:cNvPicPr>
-          <p:nvPr/>
-        </p:nvPicPr>
-        <p:blipFill>
-          <a:blip r:embed="rId2"/>
-          <a:stretch>
-            <a:fillRect/>
-          </a:stretch>
-        </p:blipFill>
-        <p:spPr>
-          <a:xfrm>
-            <a:off x="-1" y="0"/>
-            <a:ext cx="12197953" cy="6858000"/>
-          </a:xfrm>
-          <a:prstGeom prst="rect">
-            <a:avLst/>
-          </a:prstGeom>
-        </p:spPr>
-      </p:pic>
+      <p:sp>
+        <p:nvSpPr>
+          <p:cNvPr id="2" name="Заголовок 1"/>
+          <p:cNvSpPr>
+            <a:spLocks noGrp="1"/>
+          </p:cNvSpPr>
+          <p:nvPr>
+            <p:ph type="title"/>
+          </p:nvPr>
+        </p:nvSpPr>
+        <p:spPr/>
+        <p:txBody>
+          <a:bodyPr/>
+          <a:lstStyle/>
+          <a:p>
+            <a:endParaRPr lang="ru-RU" dirty="0"/>
+          </a:p>
+        </p:txBody>
+      </p:sp>
+      <p:sp>
+        <p:nvSpPr>
+          <p:cNvPr id="3" name="Объект 2"/>
+          <p:cNvSpPr>
+            <a:spLocks noGrp="1"/>
+          </p:cNvSpPr>
+          <p:nvPr>
+            <p:ph idx="1"/>
+          </p:nvPr>
+        </p:nvSpPr>
+        <p:spPr/>
+        <p:txBody>
+          <a:bodyPr/>
+          <a:lstStyle/>
+          <a:p>
+            <a:endParaRPr lang="ru-RU"/>
+          </a:p>
+        </p:txBody>
+      </p:sp>
     </p:spTree>
     <p:extLst>
       <p:ext uri="{BB962C8B-B14F-4D97-AF65-F5344CB8AC3E}">
-        <p14:creationId xmlns:p14="http://schemas.microsoft.com/office/powerpoint/2010/main" val="793036169"/>
-      </p:ext>
-    </p:extLst>
-  </p:cSld>
-  <p:clrMapOvr>
-    <a:masterClrMapping/>
-  </p:clrMapOvr>
-</p:sld>
-</file>
-
-<file path=ppt/slides/slide3.xml><?xml version="1.0" encoding="utf-8"?>
-<p:sld xmlns:a="http://schemas.openxmlformats.org/drawingml/2006/main" xmlns:r="http://schemas.openxmlformats.org/officeDocument/2006/relationships" xmlns:p="http://schemas.openxmlformats.org/presentationml/2006/main">
-  <p:cSld>
-    <p:spTree>
-      <p:nvGrpSpPr>
-        <p:cNvPr id="1" name=""/>
-        <p:cNvGrpSpPr/>
-        <p:nvPr/>
-      </p:nvGrpSpPr>
-      <p:grpSpPr>
-        <a:xfrm>
-          <a:off x="0" y="0"/>
-          <a:ext cx="0" cy="0"/>
-          <a:chOff x="0" y="0"/>
-          <a:chExt cx="0" cy="0"/>
-        </a:xfrm>
-      </p:grpSpPr>
-      <p:pic>
-        <p:nvPicPr>
-          <p:cNvPr id="4" name="Рисунок 3"/>
-          <p:cNvPicPr>
-            <a:picLocks noChangeAspect="1"/>
-          </p:cNvPicPr>
-          <p:nvPr/>
-        </p:nvPicPr>
-        <p:blipFill>
-          <a:blip r:embed="rId2"/>
-          <a:stretch>
-            <a:fillRect/>
-          </a:stretch>
-        </p:blipFill>
-        <p:spPr>
-          <a:xfrm>
-            <a:off x="-409575" y="-228600"/>
-            <a:ext cx="13011150" cy="7315200"/>
-          </a:xfrm>
-          <a:prstGeom prst="rect">
-            <a:avLst/>
-          </a:prstGeom>
-        </p:spPr>
-      </p:pic>
-    </p:spTree>
-    <p:extLst>
-      <p:ext uri="{BB962C8B-B14F-4D97-AF65-F5344CB8AC3E}">
-        <p14:creationId xmlns:p14="http://schemas.microsoft.com/office/powerpoint/2010/main" val="2034284789"/>
-      </p:ext>
-    </p:extLst>
-  </p:cSld>
-  <p:clrMapOvr>
-    <a:masterClrMapping/>
-  </p:clrMapOvr>
-</p:sld>
-</file>
-
-<file path=ppt/slides/slide4.xml><?xml version="1.0" encoding="utf-8"?>
-<p:sld xmlns:a="http://schemas.openxmlformats.org/drawingml/2006/main" xmlns:r="http://schemas.openxmlformats.org/officeDocument/2006/relationships" xmlns:p="http://schemas.openxmlformats.org/presentationml/2006/main">
-  <p:cSld>
-    <p:spTree>
-      <p:nvGrpSpPr>
-        <p:cNvPr id="1" name=""/>
-        <p:cNvGrpSpPr/>
-        <p:nvPr/>
-      </p:nvGrpSpPr>
-      <p:grpSpPr>
-        <a:xfrm>
-          <a:off x="0" y="0"/>
-          <a:ext cx="0" cy="0"/>
-          <a:chOff x="0" y="0"/>
-          <a:chExt cx="0" cy="0"/>
-        </a:xfrm>
-      </p:grpSpPr>
-      <p:pic>
-        <p:nvPicPr>
-          <p:cNvPr id="4" name="Рисунок 3"/>
-          <p:cNvPicPr>
-            <a:picLocks noChangeAspect="1"/>
-          </p:cNvPicPr>
-          <p:nvPr/>
-        </p:nvPicPr>
-        <p:blipFill>
-          <a:blip r:embed="rId2"/>
-          <a:stretch>
-            <a:fillRect/>
-          </a:stretch>
-        </p:blipFill>
-        <p:spPr>
-          <a:xfrm>
-            <a:off x="-409575" y="-228600"/>
-            <a:ext cx="13011150" cy="7315200"/>
-          </a:xfrm>
-          <a:prstGeom prst="rect">
-            <a:avLst/>
-          </a:prstGeom>
-        </p:spPr>
-      </p:pic>
-    </p:spTree>
-    <p:extLst>
-      <p:ext uri="{BB962C8B-B14F-4D97-AF65-F5344CB8AC3E}">
-        <p14:creationId xmlns:p14="http://schemas.microsoft.com/office/powerpoint/2010/main" val="2025582015"/>
-      </p:ext>
-    </p:extLst>
-  </p:cSld>
-  <p:clrMapOvr>
-    <a:masterClrMapping/>
-  </p:clrMapOvr>
-</p:sld>
-</file>
-
-<file path=ppt/slides/slide5.xml><?xml version="1.0" encoding="utf-8"?>
-<p:sld xmlns:a="http://schemas.openxmlformats.org/drawingml/2006/main" xmlns:r="http://schemas.openxmlformats.org/officeDocument/2006/relationships" xmlns:p="http://schemas.openxmlformats.org/presentationml/2006/main">
-  <p:cSld>
-    <p:spTree>
-      <p:nvGrpSpPr>
-        <p:cNvPr id="1" name=""/>
-        <p:cNvGrpSpPr/>
-        <p:nvPr/>
-      </p:nvGrpSpPr>
-      <p:grpSpPr>
-        <a:xfrm>
-          <a:off x="0" y="0"/>
-          <a:ext cx="0" cy="0"/>
-          <a:chOff x="0" y="0"/>
-          <a:chExt cx="0" cy="0"/>
-        </a:xfrm>
-      </p:grpSpPr>
-      <p:pic>
-        <p:nvPicPr>
-          <p:cNvPr id="4" name="Рисунок 3"/>
-          <p:cNvPicPr>
-            <a:picLocks noChangeAspect="1"/>
-          </p:cNvPicPr>
-          <p:nvPr/>
-        </p:nvPicPr>
-        <p:blipFill>
-          <a:blip r:embed="rId2"/>
-          <a:stretch>
-            <a:fillRect/>
-          </a:stretch>
-        </p:blipFill>
-        <p:spPr>
-          <a:xfrm>
-            <a:off x="-409575" y="-228600"/>
-            <a:ext cx="13011150" cy="7315200"/>
-          </a:xfrm>
-          <a:prstGeom prst="rect">
-            <a:avLst/>
-          </a:prstGeom>
-        </p:spPr>
-      </p:pic>
-    </p:spTree>
-    <p:extLst>
-      <p:ext uri="{BB962C8B-B14F-4D97-AF65-F5344CB8AC3E}">
-        <p14:creationId xmlns:p14="http://schemas.microsoft.com/office/powerpoint/2010/main" val="1333232956"/>
-      </p:ext>
-    </p:extLst>
-  </p:cSld>
-  <p:clrMapOvr>
-    <a:masterClrMapping/>
-  </p:clrMapOvr>
-</p:sld>
-</file>
-
-<file path=ppt/slides/slide6.xml><?xml version="1.0" encoding="utf-8"?>
-<p:sld xmlns:a="http://schemas.openxmlformats.org/drawingml/2006/main" xmlns:r="http://schemas.openxmlformats.org/officeDocument/2006/relationships" xmlns:p="http://schemas.openxmlformats.org/presentationml/2006/main">
-  <p:cSld>
-    <p:spTree>
-      <p:nvGrpSpPr>
-        <p:cNvPr id="1" name=""/>
-        <p:cNvGrpSpPr/>
-        <p:nvPr/>
-      </p:nvGrpSpPr>
-      <p:grpSpPr>
-        <a:xfrm>
-          <a:off x="0" y="0"/>
-          <a:ext cx="0" cy="0"/>
-          <a:chOff x="0" y="0"/>
-          <a:chExt cx="0" cy="0"/>
-        </a:xfrm>
-      </p:grpSpPr>
-      <p:sp>
-        <p:nvSpPr>
-          <p:cNvPr id="4" name="Заголовок 3"/>
-          <p:cNvSpPr>
-            <a:spLocks noGrp="1"/>
-          </p:cNvSpPr>
-          <p:nvPr>
-            <p:ph type="title"/>
-          </p:nvPr>
-        </p:nvSpPr>
-        <p:spPr>
-          <a:xfrm>
-            <a:off x="949417" y="2834642"/>
-            <a:ext cx="10515600" cy="904875"/>
-          </a:xfrm>
-        </p:spPr>
-        <p:txBody>
-          <a:bodyPr>
-            <a:normAutofit fontScale="90000"/>
-          </a:bodyPr>
-          <a:lstStyle/>
-          <a:p>
-            <a:pPr algn="ctr"/>
-            <a:r>
-              <a:rPr lang="de-DE" dirty="0" smtClean="0"/>
-              <a:t>16.04.2021</a:t>
-            </a:r>
-            <a:endParaRPr lang="ru-RU" dirty="0"/>
-          </a:p>
-        </p:txBody>
-      </p:sp>
-    </p:spTree>
-    <p:extLst>
-      <p:ext uri="{BB962C8B-B14F-4D97-AF65-F5344CB8AC3E}">
-        <p14:creationId xmlns:p14="http://schemas.microsoft.com/office/powerpoint/2010/main" val="3406345868"/>
-      </p:ext>
-    </p:extLst>
-  </p:cSld>
-  <p:clrMapOvr>
-    <a:masterClrMapping/>
-  </p:clrMapOvr>
-</p:sld>
-</file>
-
-<file path=ppt/slides/slide7.xml><?xml version="1.0" encoding="utf-8"?>
-<p:sld xmlns:a="http://schemas.openxmlformats.org/drawingml/2006/main" xmlns:r="http://schemas.openxmlformats.org/officeDocument/2006/relationships" xmlns:p="http://schemas.openxmlformats.org/presentationml/2006/main">
-  <p:cSld>
-    <p:spTree>
-      <p:nvGrpSpPr>
-        <p:cNvPr id="1" name=""/>
-        <p:cNvGrpSpPr/>
-        <p:nvPr/>
-      </p:nvGrpSpPr>
-      <p:grpSpPr>
-        <a:xfrm>
-          <a:off x="0" y="0"/>
-          <a:ext cx="0" cy="0"/>
-          <a:chOff x="0" y="0"/>
-          <a:chExt cx="0" cy="0"/>
-        </a:xfrm>
-      </p:grpSpPr>
-      <p:pic>
-        <p:nvPicPr>
-          <p:cNvPr id="1026" name="Picture 2"/>
-          <p:cNvPicPr>
-            <a:picLocks noChangeAspect="1" noChangeArrowheads="1"/>
-          </p:cNvPicPr>
-          <p:nvPr/>
-        </p:nvPicPr>
-        <p:blipFill>
-          <a:blip r:embed="rId2">
-            <a:extLst>
-              <a:ext uri="{28A0092B-C50C-407E-A947-70E740481C1C}">
-                <a14:useLocalDpi xmlns:a14="http://schemas.microsoft.com/office/drawing/2010/main" val="0"/>
-              </a:ext>
-            </a:extLst>
-          </a:blip>
-          <a:srcRect/>
-          <a:stretch>
-            <a:fillRect/>
-          </a:stretch>
-        </p:blipFill>
-        <p:spPr bwMode="auto">
-          <a:xfrm>
-            <a:off x="0" y="0"/>
-            <a:ext cx="13011150" cy="7315200"/>
-          </a:xfrm>
-          <a:prstGeom prst="rect">
-            <a:avLst/>
-          </a:prstGeom>
-          <a:noFill/>
-          <a:ln>
-            <a:noFill/>
-          </a:ln>
-          <a:effectLst/>
-          <a:extLst>
-            <a:ext uri="{909E8E84-426E-40DD-AFC4-6F175D3DCCD1}">
-              <a14:hiddenFill xmlns:a14="http://schemas.microsoft.com/office/drawing/2010/main">
-                <a:solidFill>
-                  <a:schemeClr val="accent1"/>
-                </a:solidFill>
-              </a14:hiddenFill>
-            </a:ext>
-            <a:ext uri="{91240B29-F687-4F45-9708-019B960494DF}">
-              <a14:hiddenLine xmlns:a14="http://schemas.microsoft.com/office/drawing/2010/main" w="9525">
-                <a:solidFill>
-                  <a:schemeClr val="tx1"/>
-                </a:solidFill>
-                <a:miter lim="800000"/>
-                <a:headEnd/>
-                <a:tailEnd/>
-              </a14:hiddenLine>
-            </a:ext>
-            <a:ext uri="{AF507438-7753-43E0-B8FC-AC1667EBCBE1}">
-              <a14:hiddenEffects xmlns:a14="http://schemas.microsoft.com/office/drawing/2010/main">
-                <a:effectLst>
-                  <a:outerShdw dist="35921" dir="2700000" algn="ctr" rotWithShape="0">
-                    <a:schemeClr val="bg2"/>
-                  </a:outerShdw>
-                </a:effectLst>
-              </a14:hiddenEffects>
-            </a:ext>
-          </a:extLst>
-        </p:spPr>
-      </p:pic>
-    </p:spTree>
-    <p:extLst>
-      <p:ext uri="{BB962C8B-B14F-4D97-AF65-F5344CB8AC3E}">
-        <p14:creationId xmlns:p14="http://schemas.microsoft.com/office/powerpoint/2010/main" val="2671956437"/>
-      </p:ext>
-    </p:extLst>
-  </p:cSld>
-  <p:clrMapOvr>
-    <a:masterClrMapping/>
-  </p:clrMapOvr>
-</p:sld>
-</file>
-
-<file path=ppt/slides/slide8.xml><?xml version="1.0" encoding="utf-8"?>
-<p:sld xmlns:a="http://schemas.openxmlformats.org/drawingml/2006/main" xmlns:r="http://schemas.openxmlformats.org/officeDocument/2006/relationships" xmlns:p="http://schemas.openxmlformats.org/presentationml/2006/main">
-  <p:cSld>
-    <p:spTree>
-      <p:nvGrpSpPr>
-        <p:cNvPr id="1" name=""/>
-        <p:cNvGrpSpPr/>
-        <p:nvPr/>
-      </p:nvGrpSpPr>
-      <p:grpSpPr>
-        <a:xfrm>
-          <a:off x="0" y="0"/>
-          <a:ext cx="0" cy="0"/>
-          <a:chOff x="0" y="0"/>
-          <a:chExt cx="0" cy="0"/>
-        </a:xfrm>
-      </p:grpSpPr>
-      <p:pic>
-        <p:nvPicPr>
-          <p:cNvPr id="2050" name="Picture 2"/>
-          <p:cNvPicPr>
-            <a:picLocks noChangeAspect="1" noChangeArrowheads="1"/>
-          </p:cNvPicPr>
-          <p:nvPr/>
-        </p:nvPicPr>
-        <p:blipFill>
-          <a:blip r:embed="rId2">
-            <a:extLst>
-              <a:ext uri="{28A0092B-C50C-407E-A947-70E740481C1C}">
-                <a14:useLocalDpi xmlns:a14="http://schemas.microsoft.com/office/drawing/2010/main" val="0"/>
-              </a:ext>
-            </a:extLst>
-          </a:blip>
-          <a:srcRect/>
-          <a:stretch>
-            <a:fillRect/>
-          </a:stretch>
-        </p:blipFill>
-        <p:spPr bwMode="auto">
-          <a:xfrm>
-            <a:off x="0" y="0"/>
-            <a:ext cx="13011150" cy="7315200"/>
-          </a:xfrm>
-          <a:prstGeom prst="rect">
-            <a:avLst/>
-          </a:prstGeom>
-          <a:noFill/>
-          <a:ln>
-            <a:noFill/>
-          </a:ln>
-          <a:effectLst/>
-          <a:extLst>
-            <a:ext uri="{909E8E84-426E-40DD-AFC4-6F175D3DCCD1}">
-              <a14:hiddenFill xmlns:a14="http://schemas.microsoft.com/office/drawing/2010/main">
-                <a:solidFill>
-                  <a:schemeClr val="accent1"/>
-                </a:solidFill>
-              </a14:hiddenFill>
-            </a:ext>
-            <a:ext uri="{91240B29-F687-4F45-9708-019B960494DF}">
-              <a14:hiddenLine xmlns:a14="http://schemas.microsoft.com/office/drawing/2010/main" w="9525">
-                <a:solidFill>
-                  <a:schemeClr val="tx1"/>
-                </a:solidFill>
-                <a:miter lim="800000"/>
-                <a:headEnd/>
-                <a:tailEnd/>
-              </a14:hiddenLine>
-            </a:ext>
-            <a:ext uri="{AF507438-7753-43E0-B8FC-AC1667EBCBE1}">
-              <a14:hiddenEffects xmlns:a14="http://schemas.microsoft.com/office/drawing/2010/main">
-                <a:effectLst>
-                  <a:outerShdw dist="35921" dir="2700000" algn="ctr" rotWithShape="0">
-                    <a:schemeClr val="bg2"/>
-                  </a:outerShdw>
-                </a:effectLst>
-              </a14:hiddenEffects>
-            </a:ext>
-          </a:extLst>
-        </p:spPr>
-      </p:pic>
-    </p:spTree>
-    <p:extLst>
-      <p:ext uri="{BB962C8B-B14F-4D97-AF65-F5344CB8AC3E}">
-        <p14:creationId xmlns:p14="http://schemas.microsoft.com/office/powerpoint/2010/main" val="478388302"/>
-      </p:ext>
-    </p:extLst>
-  </p:cSld>
-  <p:clrMapOvr>
-    <a:masterClrMapping/>
-  </p:clrMapOvr>
-</p:sld>
-</file>
-
-<file path=ppt/slides/slide9.xml><?xml version="1.0" encoding="utf-8"?>
-<p:sld xmlns:a="http://schemas.openxmlformats.org/drawingml/2006/main" xmlns:r="http://schemas.openxmlformats.org/officeDocument/2006/relationships" xmlns:p="http://schemas.openxmlformats.org/presentationml/2006/main">
-  <p:cSld>
-    <p:spTree>
-      <p:nvGrpSpPr>
-        <p:cNvPr id="1" name=""/>
-        <p:cNvGrpSpPr/>
-        <p:nvPr/>
-      </p:nvGrpSpPr>
-      <p:grpSpPr>
-        <a:xfrm>
-          <a:off x="0" y="0"/>
-          <a:ext cx="0" cy="0"/>
-          <a:chOff x="0" y="0"/>
-          <a:chExt cx="0" cy="0"/>
-        </a:xfrm>
-      </p:grpSpPr>
-      <p:sp>
-        <p:nvSpPr>
-          <p:cNvPr id="4" name="Заголовок 3"/>
-          <p:cNvSpPr>
-            <a:spLocks noGrp="1"/>
-          </p:cNvSpPr>
-          <p:nvPr>
-            <p:ph type="title"/>
-          </p:nvPr>
-        </p:nvSpPr>
-        <p:spPr>
-          <a:xfrm>
-            <a:off x="949417" y="2834642"/>
-            <a:ext cx="10515600" cy="904875"/>
-          </a:xfrm>
-        </p:spPr>
-        <p:txBody>
-          <a:bodyPr>
-            <a:normAutofit fontScale="90000"/>
-          </a:bodyPr>
-          <a:lstStyle/>
-          <a:p>
-            <a:pPr algn="ctr"/>
-            <a:r>
-              <a:rPr lang="de-DE" dirty="0" smtClean="0"/>
-              <a:t>17.04.2021</a:t>
-            </a:r>
-            <a:endParaRPr lang="ru-RU" dirty="0"/>
-          </a:p>
-        </p:txBody>
-      </p:sp>
-    </p:spTree>
-    <p:extLst>
-      <p:ext uri="{BB962C8B-B14F-4D97-AF65-F5344CB8AC3E}">
-        <p14:creationId xmlns:p14="http://schemas.microsoft.com/office/powerpoint/2010/main" val="488235631"/>
+        <p14:creationId xmlns:p14="http://schemas.microsoft.com/office/powerpoint/2010/main" val="29134737"/>
       </p:ext>
     </p:extLst>
   </p:cSld>
@@ -3797,7 +3382,7 @@
   <a:extraClrSchemeLst/>
   <a:extLst>
     <a:ext uri="{05A4C25C-085E-4340-85A3-A5531E510DB2}">
-      <thm15:themeFamily xmlns:thm15="http://schemas.microsoft.com/office/thememl/2012/main" xmlns="" name="Office Theme" id="{62F939B6-93AF-4DB8-9C6B-D6C7DFDC589F}" vid="{4A3C46E8-61CC-4603-A589-7422A47A8E4A}"/>
+      <thm15:themeFamily xmlns:thm15="http://schemas.microsoft.com/office/thememl/2012/main" name="Office Theme" id="{62F939B6-93AF-4DB8-9C6B-D6C7DFDC589F}" vid="{4A3C46E8-61CC-4603-A589-7422A47A8E4A}"/>
     </a:ext>
   </a:extLst>
 </a:theme>
